--- a/presentations/BI Analysis (Partner Business Modeling).pptx
+++ b/presentations/BI Analysis (Partner Business Modeling).pptx
@@ -218,50 +218,6 @@
     <p1510:client id="{E46A552C-5727-4872-87A5-F2150DAAD819}" v="75" dt="2025-01-14T23:38:01.646"/>
   </p1510:revLst>
 </p1510:revInfo>
-</file>
-
-<file path=ppt/changesInfos/changesInfo1.xml><?xml version="1.0" encoding="utf-8"?>
-<pc:chgInfo xmlns:a="http://schemas.openxmlformats.org/drawingml/2006/main" xmlns:r="http://schemas.openxmlformats.org/officeDocument/2006/relationships" xmlns:ac="http://schemas.microsoft.com/office/drawing/2013/main/command" xmlns:pc="http://schemas.microsoft.com/office/powerpoint/2013/main/command">
-  <pc:docChgLst>
-    <pc:chgData name="Shawna Tuli" userId="dbbe850d-0fe3-4879-be60-ab340be6bbb9" providerId="ADAL" clId="{BC70CE01-28FF-4DD5-B134-D25AF16DC20D}"/>
-    <pc:docChg chg="custSel modSld addSection modSection">
-      <pc:chgData name="Shawna Tuli" userId="dbbe850d-0fe3-4879-be60-ab340be6bbb9" providerId="ADAL" clId="{BC70CE01-28FF-4DD5-B134-D25AF16DC20D}" dt="2025-01-15T16:05:13.068" v="23" actId="313"/>
-      <pc:docMkLst>
-        <pc:docMk/>
-      </pc:docMkLst>
-      <pc:sldChg chg="modSp mod">
-        <pc:chgData name="Shawna Tuli" userId="dbbe850d-0fe3-4879-be60-ab340be6bbb9" providerId="ADAL" clId="{BC70CE01-28FF-4DD5-B134-D25AF16DC20D}" dt="2025-01-15T15:54:52.171" v="2" actId="20577"/>
-        <pc:sldMkLst>
-          <pc:docMk/>
-          <pc:sldMk cId="3666674671" sldId="271"/>
-        </pc:sldMkLst>
-        <pc:spChg chg="mod">
-          <ac:chgData name="Shawna Tuli" userId="dbbe850d-0fe3-4879-be60-ab340be6bbb9" providerId="ADAL" clId="{BC70CE01-28FF-4DD5-B134-D25AF16DC20D}" dt="2025-01-15T15:54:52.171" v="2" actId="20577"/>
-          <ac:spMkLst>
-            <pc:docMk/>
-            <pc:sldMk cId="3666674671" sldId="271"/>
-            <ac:spMk id="3" creationId="{A6A33159-D030-2F82-A142-F75940728319}"/>
-          </ac:spMkLst>
-        </pc:spChg>
-      </pc:sldChg>
-      <pc:sldChg chg="modSp mod">
-        <pc:chgData name="Shawna Tuli" userId="dbbe850d-0fe3-4879-be60-ab340be6bbb9" providerId="ADAL" clId="{BC70CE01-28FF-4DD5-B134-D25AF16DC20D}" dt="2025-01-15T16:05:13.068" v="23" actId="313"/>
-        <pc:sldMkLst>
-          <pc:docMk/>
-          <pc:sldMk cId="2632362468" sldId="290"/>
-        </pc:sldMkLst>
-        <pc:graphicFrameChg chg="modGraphic">
-          <ac:chgData name="Shawna Tuli" userId="dbbe850d-0fe3-4879-be60-ab340be6bbb9" providerId="ADAL" clId="{BC70CE01-28FF-4DD5-B134-D25AF16DC20D}" dt="2025-01-15T16:05:13.068" v="23" actId="313"/>
-          <ac:graphicFrameMkLst>
-            <pc:docMk/>
-            <pc:sldMk cId="2632362468" sldId="290"/>
-            <ac:graphicFrameMk id="7" creationId="{B8AEA534-F8B3-01C7-03E6-773FC9EE489B}"/>
-          </ac:graphicFrameMkLst>
-        </pc:graphicFrameChg>
-      </pc:sldChg>
-    </pc:docChg>
-  </pc:docChgLst>
-</pc:chgInfo>
 </file>
 
 <file path=ppt/diagrams/colors1.xml><?xml version="1.0" encoding="utf-8"?>
@@ -7312,7 +7268,7 @@
           <a:p>
             <a:fld id="{D3D47A4C-1800-412B-9042-C93F1924AECC}" type="datetimeFigureOut">
               <a:rPr lang="en-US" smtClean="0"/>
-              <a:t>1/15/2025</a:t>
+              <a:t>1/23/2025</a:t>
             </a:fld>
             <a:endParaRPr lang="en-US"/>
           </a:p>
@@ -7489,7 +7445,7 @@
           <a:p>
             <a:fld id="{7000EB3D-2307-4317-8A1D-B47FA45245F0}" type="datetimeFigureOut">
               <a:rPr lang="en-US" noProof="0" smtClean="0"/>
-              <a:t>1/15/2025</a:t>
+              <a:t>1/23/2025</a:t>
             </a:fld>
             <a:endParaRPr lang="en-US" noProof="0"/>
           </a:p>
@@ -8531,7 +8487,7 @@
           <a:p>
             <a:fld id="{F9880A97-BB72-4C49-B020-C005FF9D43B4}" type="datetime1">
               <a:rPr lang="en-US" smtClean="0"/>
-              <a:t>1/15/2025</a:t>
+              <a:t>1/23/2025</a:t>
             </a:fld>
             <a:endParaRPr lang="en-US" dirty="0"/>
           </a:p>
@@ -9218,7 +9174,7 @@
           <a:p>
             <a:fld id="{8B1E16E5-E5E5-4583-9AF7-83D9607A8145}" type="datetime1">
               <a:rPr lang="en-US" smtClean="0"/>
-              <a:t>1/15/2025</a:t>
+              <a:t>1/23/2025</a:t>
             </a:fld>
             <a:endParaRPr lang="en-US" dirty="0"/>
           </a:p>
@@ -9754,7 +9710,7 @@
           <a:p>
             <a:fld id="{0B4AC9CD-0374-4BE7-8481-7982C4A3E9D1}" type="datetime1">
               <a:rPr lang="en-US" smtClean="0"/>
-              <a:t>1/15/2025</a:t>
+              <a:t>1/23/2025</a:t>
             </a:fld>
             <a:endParaRPr lang="en-US" dirty="0"/>
           </a:p>
@@ -10394,7 +10350,7 @@
           <a:p>
             <a:fld id="{222400DF-651A-4479-9C74-9CDA47151016}" type="datetime1">
               <a:rPr lang="en-US" smtClean="0"/>
-              <a:t>1/15/2025</a:t>
+              <a:t>1/23/2025</a:t>
             </a:fld>
             <a:endParaRPr lang="en-US" dirty="0"/>
           </a:p>
@@ -11192,7 +11148,7 @@
           <a:p>
             <a:fld id="{1201FEBF-D140-4633-9B70-3A503CA61AD4}" type="datetime1">
               <a:rPr lang="en-US" smtClean="0"/>
-              <a:t>1/15/2025</a:t>
+              <a:t>1/23/2025</a:t>
             </a:fld>
             <a:endParaRPr lang="en-US" dirty="0"/>
           </a:p>
@@ -12078,7 +12034,7 @@
           <a:p>
             <a:fld id="{B63BE472-3891-4216-B770-F52E53667131}" type="datetime1">
               <a:rPr lang="en-US" smtClean="0"/>
-              <a:t>1/15/2025</a:t>
+              <a:t>1/23/2025</a:t>
             </a:fld>
             <a:endParaRPr lang="en-US" dirty="0"/>
           </a:p>
@@ -12411,7 +12367,7 @@
           <a:p>
             <a:fld id="{92C9618A-2189-4802-BD34-F288EF802528}" type="datetime1">
               <a:rPr lang="en-US" smtClean="0"/>
-              <a:t>1/15/2025</a:t>
+              <a:t>1/23/2025</a:t>
             </a:fld>
             <a:endParaRPr lang="en-US" dirty="0"/>
           </a:p>
@@ -12604,7 +12560,7 @@
           <a:p>
             <a:fld id="{3CA3B387-33D3-4D27-BE27-9B85ACC6AC8A}" type="datetime1">
               <a:rPr lang="en-US" smtClean="0"/>
-              <a:t>1/15/2025</a:t>
+              <a:t>1/23/2025</a:t>
             </a:fld>
             <a:endParaRPr lang="en-US" dirty="0"/>
           </a:p>
@@ -16515,6 +16471,39 @@
               <a:rPr lang="en-US" sz="2000" dirty="0"/>
               <a:t>) </a:t>
             </a:r>
+          </a:p>
+          <a:p>
+            <a:pPr marL="342900" indent="-342900">
+              <a:buFont typeface="Arial" panose="020B0604020202020204" pitchFamily="34" charset="0"/>
+              <a:buChar char="•"/>
+            </a:pPr>
+            <a:r>
+              <a:rPr lang="en-US" sz="2000" dirty="0"/>
+              <a:t>Ryan Dylan Chin (</a:t>
+            </a:r>
+            <a:r>
+              <a:rPr lang="en-US" sz="2000" dirty="0" err="1">
+                <a:hlinkClick r:id="rId7"/>
+              </a:rPr>
+              <a:t>rdchin@</a:t>
+            </a:r>
+            <a:r>
+              <a:rPr lang="en-US" sz="2000" err="1">
+                <a:hlinkClick r:id="rId7"/>
+              </a:rPr>
+              <a:t>uci</a:t>
+            </a:r>
+            <a:r>
+              <a:rPr lang="en-US" sz="2000">
+                <a:hlinkClick r:id="rId7"/>
+              </a:rPr>
+              <a:t>.edu</a:t>
+            </a:r>
+            <a:r>
+              <a:rPr lang="en-US" sz="2000"/>
+              <a:t>) </a:t>
+            </a:r>
+            <a:endParaRPr lang="en-US" sz="2000" dirty="0"/>
           </a:p>
         </p:txBody>
       </p:sp>
@@ -18061,26 +18050,6 @@
 </file>
 
 <file path=customXml/item1.xml><?xml version="1.0" encoding="utf-8"?>
-<p:properties xmlns:p="http://schemas.microsoft.com/office/2006/metadata/properties" xmlns:xsi="http://www.w3.org/2001/XMLSchema-instance" xmlns:pc="http://schemas.microsoft.com/office/infopath/2007/PartnerControls">
-  <documentManagement>
-    <MediaServiceKeyPoints xmlns="71af3243-3dd4-4a8d-8c0d-dd76da1f02a5" xsi:nil="true"/>
-    <_ip_UnifiedCompliancePolicyUIAction xmlns="http://schemas.microsoft.com/sharepoint/v3" xsi:nil="true"/>
-    <Image xmlns="71af3243-3dd4-4a8d-8c0d-dd76da1f02a5">
-      <Url xsi:nil="true"/>
-      <Description xsi:nil="true"/>
-    </Image>
-    <Status xmlns="71af3243-3dd4-4a8d-8c0d-dd76da1f02a5">Not started</Status>
-    <Background xmlns="71af3243-3dd4-4a8d-8c0d-dd76da1f02a5">false</Background>
-    <_ip_UnifiedCompliancePolicyProperties xmlns="http://schemas.microsoft.com/sharepoint/v3" xsi:nil="true"/>
-    <ImageTagsTaxHTField xmlns="71af3243-3dd4-4a8d-8c0d-dd76da1f02a5">
-      <Terms xmlns="http://schemas.microsoft.com/office/infopath/2007/PartnerControls"/>
-    </ImageTagsTaxHTField>
-    <TaxCatchAll xmlns="230e9df3-be65-4c73-a93b-d1236ebd677e" xsi:nil="true"/>
-  </documentManagement>
-</p:properties>
-</file>
-
-<file path=customXml/item2.xml><?xml version="1.0" encoding="utf-8"?>
 <ct:contentTypeSchema xmlns:ct="http://schemas.microsoft.com/office/2006/metadata/contentType" xmlns:ma="http://schemas.microsoft.com/office/2006/metadata/properties/metaAttributes" ct:_="" ma:_="" ma:contentTypeName="Document" ma:contentTypeID="0x01010079F111ED35F8CC479449609E8A0923A6" ma:contentTypeVersion="30" ma:contentTypeDescription="Create a new document." ma:contentTypeScope="" ma:versionID="cec0622158e8f13124e9e8fd4de31bd1">
   <xsd:schema xmlns:xsd="http://www.w3.org/2001/XMLSchema" xmlns:xs="http://www.w3.org/2001/XMLSchema" xmlns:p="http://schemas.microsoft.com/office/2006/metadata/properties" xmlns:ns1="http://schemas.microsoft.com/sharepoint/v3" xmlns:ns2="71af3243-3dd4-4a8d-8c0d-dd76da1f02a5" xmlns:ns3="16c05727-aa75-4e4a-9b5f-8a80a1165891" xmlns:ns4="230e9df3-be65-4c73-a93b-d1236ebd677e" targetNamespace="http://schemas.microsoft.com/office/2006/metadata/properties" ma:root="true" ma:fieldsID="3b52f30ab005d15df08657af532e6e38" ns1:_="" ns2:_="" ns3:_="" ns4:_="">
     <xsd:import namespace="http://schemas.microsoft.com/sharepoint/v3"/>
@@ -18398,6 +18367,26 @@
 </ct:contentTypeSchema>
 </file>
 
+<file path=customXml/item2.xml><?xml version="1.0" encoding="utf-8"?>
+<p:properties xmlns:p="http://schemas.microsoft.com/office/2006/metadata/properties" xmlns:xsi="http://www.w3.org/2001/XMLSchema-instance" xmlns:pc="http://schemas.microsoft.com/office/infopath/2007/PartnerControls">
+  <documentManagement>
+    <MediaServiceKeyPoints xmlns="71af3243-3dd4-4a8d-8c0d-dd76da1f02a5" xsi:nil="true"/>
+    <_ip_UnifiedCompliancePolicyUIAction xmlns="http://schemas.microsoft.com/sharepoint/v3" xsi:nil="true"/>
+    <Image xmlns="71af3243-3dd4-4a8d-8c0d-dd76da1f02a5">
+      <Url xsi:nil="true"/>
+      <Description xsi:nil="true"/>
+    </Image>
+    <Status xmlns="71af3243-3dd4-4a8d-8c0d-dd76da1f02a5">Not started</Status>
+    <Background xmlns="71af3243-3dd4-4a8d-8c0d-dd76da1f02a5">false</Background>
+    <_ip_UnifiedCompliancePolicyProperties xmlns="http://schemas.microsoft.com/sharepoint/v3" xsi:nil="true"/>
+    <ImageTagsTaxHTField xmlns="71af3243-3dd4-4a8d-8c0d-dd76da1f02a5">
+      <Terms xmlns="http://schemas.microsoft.com/office/infopath/2007/PartnerControls"/>
+    </ImageTagsTaxHTField>
+    <TaxCatchAll xmlns="230e9df3-be65-4c73-a93b-d1236ebd677e" xsi:nil="true"/>
+  </documentManagement>
+</p:properties>
+</file>
+
 <file path=customXml/item3.xml><?xml version="1.0" encoding="utf-8"?>
 <?mso-contentType ?>
 <FormTemplates xmlns="http://schemas.microsoft.com/sharepoint/v3/contenttype/forms">
@@ -18408,25 +18397,6 @@
 </file>
 
 <file path=customXml/itemProps1.xml><?xml version="1.0" encoding="utf-8"?>
-<ds:datastoreItem xmlns:ds="http://schemas.openxmlformats.org/officeDocument/2006/customXml" ds:itemID="{826A71AF-4CF2-4B95-BFB6-5C27500258C6}">
-  <ds:schemaRefs>
-    <ds:schemaRef ds:uri="http://schemas.openxmlformats.org/package/2006/metadata/core-properties"/>
-    <ds:schemaRef ds:uri="http://schemas.microsoft.com/office/infopath/2007/PartnerControls"/>
-    <ds:schemaRef ds:uri="http://schemas.microsoft.com/office/2006/metadata/properties"/>
-    <ds:schemaRef ds:uri="http://www.w3.org/XML/1998/namespace"/>
-    <ds:schemaRef ds:uri="http://purl.org/dc/elements/1.1/"/>
-    <ds:schemaRef ds:uri="http://schemas.microsoft.com/office/2006/documentManagement/types"/>
-    <ds:schemaRef ds:uri="230e9df3-be65-4c73-a93b-d1236ebd677e"/>
-    <ds:schemaRef ds:uri="71af3243-3dd4-4a8d-8c0d-dd76da1f02a5"/>
-    <ds:schemaRef ds:uri="16c05727-aa75-4e4a-9b5f-8a80a1165891"/>
-    <ds:schemaRef ds:uri="http://schemas.microsoft.com/sharepoint/v3"/>
-    <ds:schemaRef ds:uri="http://purl.org/dc/dcmitype/"/>
-    <ds:schemaRef ds:uri="http://purl.org/dc/terms/"/>
-  </ds:schemaRefs>
-</ds:datastoreItem>
-</file>
-
-<file path=customXml/itemProps2.xml><?xml version="1.0" encoding="utf-8"?>
 <ds:datastoreItem xmlns:ds="http://schemas.openxmlformats.org/officeDocument/2006/customXml" ds:itemID="{118B1F56-8983-41A9-8E90-86247BC2C41D}">
   <ds:schemaRefs>
     <ds:schemaRef ds:uri="http://schemas.microsoft.com/office/2006/metadata/contentType"/>
@@ -18447,6 +18417,25 @@
 </ds:datastoreItem>
 </file>
 
+<file path=customXml/itemProps2.xml><?xml version="1.0" encoding="utf-8"?>
+<ds:datastoreItem xmlns:ds="http://schemas.openxmlformats.org/officeDocument/2006/customXml" ds:itemID="{826A71AF-4CF2-4B95-BFB6-5C27500258C6}">
+  <ds:schemaRefs>
+    <ds:schemaRef ds:uri="http://schemas.openxmlformats.org/package/2006/metadata/core-properties"/>
+    <ds:schemaRef ds:uri="http://schemas.microsoft.com/office/infopath/2007/PartnerControls"/>
+    <ds:schemaRef ds:uri="http://schemas.microsoft.com/office/2006/metadata/properties"/>
+    <ds:schemaRef ds:uri="http://www.w3.org/XML/1998/namespace"/>
+    <ds:schemaRef ds:uri="http://purl.org/dc/elements/1.1/"/>
+    <ds:schemaRef ds:uri="http://schemas.microsoft.com/office/2006/documentManagement/types"/>
+    <ds:schemaRef ds:uri="230e9df3-be65-4c73-a93b-d1236ebd677e"/>
+    <ds:schemaRef ds:uri="71af3243-3dd4-4a8d-8c0d-dd76da1f02a5"/>
+    <ds:schemaRef ds:uri="16c05727-aa75-4e4a-9b5f-8a80a1165891"/>
+    <ds:schemaRef ds:uri="http://schemas.microsoft.com/sharepoint/v3"/>
+    <ds:schemaRef ds:uri="http://purl.org/dc/dcmitype/"/>
+    <ds:schemaRef ds:uri="http://purl.org/dc/terms/"/>
+  </ds:schemaRefs>
+</ds:datastoreItem>
+</file>
+
 <file path=customXml/itemProps3.xml><?xml version="1.0" encoding="utf-8"?>
 <ds:datastoreItem xmlns:ds="http://schemas.openxmlformats.org/officeDocument/2006/customXml" ds:itemID="{0F60B100-7079-4DE7-AF7C-20BFB1D62C46}">
   <ds:schemaRefs>

--- a/presentations/BI Analysis (Partner Business Modeling).pptx
+++ b/presentations/BI Analysis (Partner Business Modeling).pptx
@@ -210,14 +210,6 @@
     </p:ext>
   </p:extLst>
 </p:presentation>
-</file>
-
-<file path=ppt/revisionInfo.xml><?xml version="1.0" encoding="utf-8"?>
-<p1510:revInfo xmlns:a="http://schemas.openxmlformats.org/drawingml/2006/main" xmlns:r="http://schemas.openxmlformats.org/officeDocument/2006/relationships" xmlns:p1510="http://schemas.microsoft.com/office/powerpoint/2015/10/main">
-  <p1510:revLst>
-    <p1510:client id="{E46A552C-5727-4872-87A5-F2150DAAD819}" v="75" dt="2025-01-14T23:38:01.646"/>
-  </p1510:revLst>
-</p1510:revInfo>
 </file>
 
 <file path=ppt/diagrams/colors1.xml><?xml version="1.0" encoding="utf-8"?>
@@ -7268,7 +7260,7 @@
           <a:p>
             <a:fld id="{D3D47A4C-1800-412B-9042-C93F1924AECC}" type="datetimeFigureOut">
               <a:rPr lang="en-US" smtClean="0"/>
-              <a:t>1/23/2025</a:t>
+              <a:t>2/3/2025</a:t>
             </a:fld>
             <a:endParaRPr lang="en-US"/>
           </a:p>
@@ -7445,7 +7437,7 @@
           <a:p>
             <a:fld id="{7000EB3D-2307-4317-8A1D-B47FA45245F0}" type="datetimeFigureOut">
               <a:rPr lang="en-US" noProof="0" smtClean="0"/>
-              <a:t>1/23/2025</a:t>
+              <a:t>2/3/2025</a:t>
             </a:fld>
             <a:endParaRPr lang="en-US" noProof="0"/>
           </a:p>
@@ -8487,7 +8479,7 @@
           <a:p>
             <a:fld id="{F9880A97-BB72-4C49-B020-C005FF9D43B4}" type="datetime1">
               <a:rPr lang="en-US" smtClean="0"/>
-              <a:t>1/23/2025</a:t>
+              <a:t>2/3/2025</a:t>
             </a:fld>
             <a:endParaRPr lang="en-US" dirty="0"/>
           </a:p>
@@ -9174,7 +9166,7 @@
           <a:p>
             <a:fld id="{8B1E16E5-E5E5-4583-9AF7-83D9607A8145}" type="datetime1">
               <a:rPr lang="en-US" smtClean="0"/>
-              <a:t>1/23/2025</a:t>
+              <a:t>2/3/2025</a:t>
             </a:fld>
             <a:endParaRPr lang="en-US" dirty="0"/>
           </a:p>
@@ -9710,7 +9702,7 @@
           <a:p>
             <a:fld id="{0B4AC9CD-0374-4BE7-8481-7982C4A3E9D1}" type="datetime1">
               <a:rPr lang="en-US" smtClean="0"/>
-              <a:t>1/23/2025</a:t>
+              <a:t>2/3/2025</a:t>
             </a:fld>
             <a:endParaRPr lang="en-US" dirty="0"/>
           </a:p>
@@ -10350,7 +10342,7 @@
           <a:p>
             <a:fld id="{222400DF-651A-4479-9C74-9CDA47151016}" type="datetime1">
               <a:rPr lang="en-US" smtClean="0"/>
-              <a:t>1/23/2025</a:t>
+              <a:t>2/3/2025</a:t>
             </a:fld>
             <a:endParaRPr lang="en-US" dirty="0"/>
           </a:p>
@@ -11148,7 +11140,7 @@
           <a:p>
             <a:fld id="{1201FEBF-D140-4633-9B70-3A503CA61AD4}" type="datetime1">
               <a:rPr lang="en-US" smtClean="0"/>
-              <a:t>1/23/2025</a:t>
+              <a:t>2/3/2025</a:t>
             </a:fld>
             <a:endParaRPr lang="en-US" dirty="0"/>
           </a:p>
@@ -12034,7 +12026,7 @@
           <a:p>
             <a:fld id="{B63BE472-3891-4216-B770-F52E53667131}" type="datetime1">
               <a:rPr lang="en-US" smtClean="0"/>
-              <a:t>1/23/2025</a:t>
+              <a:t>2/3/2025</a:t>
             </a:fld>
             <a:endParaRPr lang="en-US" dirty="0"/>
           </a:p>
@@ -12367,7 +12359,7 @@
           <a:p>
             <a:fld id="{92C9618A-2189-4802-BD34-F288EF802528}" type="datetime1">
               <a:rPr lang="en-US" smtClean="0"/>
-              <a:t>1/23/2025</a:t>
+              <a:t>2/3/2025</a:t>
             </a:fld>
             <a:endParaRPr lang="en-US" dirty="0"/>
           </a:p>
@@ -12560,7 +12552,7 @@
           <a:p>
             <a:fld id="{3CA3B387-33D3-4D27-BE27-9B85ACC6AC8A}" type="datetime1">
               <a:rPr lang="en-US" smtClean="0"/>
-              <a:t>1/23/2025</a:t>
+              <a:t>2/3/2025</a:t>
             </a:fld>
             <a:endParaRPr lang="en-US" dirty="0"/>
           </a:p>
@@ -13384,13 +13376,13 @@
           <a:p>
             <a:r>
               <a:rPr lang="en-US" sz="2000" dirty="0"/>
-              <a:t>~1 hour per week</a:t>
+              <a:t>~1 hour per week.</a:t>
             </a:r>
           </a:p>
           <a:p>
             <a:r>
               <a:rPr lang="en-US" sz="2000" dirty="0"/>
-              <a:t>Meet with team (Zoom)</a:t>
+              <a:t>Meet with team over Teams.</a:t>
             </a:r>
           </a:p>
           <a:p>
@@ -13404,15 +13396,7 @@
             </a:r>
             <a:r>
               <a:rPr lang="en-US" sz="2000" dirty="0"/>
-              <a:t>. first steps, suggested tools) as well as the technical aspects (</a:t>
-            </a:r>
-            <a:r>
-              <a:rPr lang="en-US" sz="2000" dirty="0" err="1"/>
-              <a:t>ie</a:t>
-            </a:r>
-            <a:r>
-              <a:rPr lang="en-US" sz="2000" dirty="0"/>
-              <a:t>. what specific libraries are available, which machine learning algorithms mentees could use) </a:t>
+              <a:t>. first steps, suggested tools) as well as the technical aspects (i.e. what specific libraries are available, which machine learning algorithms mentees could use). </a:t>
             </a:r>
           </a:p>
         </p:txBody>
@@ -13500,47 +13484,31 @@
           <a:p>
             <a:r>
               <a:rPr lang="en-US" sz="2000" dirty="0"/>
-              <a:t>4+ hours per week dedicated to the project/workshop attendance</a:t>
+              <a:t>4+ hours per week dedicated to the project/workshop attendance.</a:t>
             </a:r>
           </a:p>
           <a:p>
             <a:r>
               <a:rPr lang="en-US" sz="2000" dirty="0"/>
-              <a:t>Take the initiative to learn new tools and research new methods</a:t>
+              <a:t>Take the initiative to learn new tools and research new methods.</a:t>
             </a:r>
           </a:p>
           <a:p>
             <a:r>
               <a:rPr lang="en-US" sz="2000" dirty="0"/>
-              <a:t>Organize team structure and manage project’s progress (</a:t>
-            </a:r>
-            <a:r>
-              <a:rPr lang="en-US" sz="2000" dirty="0" err="1"/>
-              <a:t>ie</a:t>
-            </a:r>
+              <a:t>Organize team structure and manage project’s progress (i.e. decide on meeting times to work on the project and meet with mentor).</a:t>
+            </a:r>
+          </a:p>
+          <a:p>
             <a:r>
               <a:rPr lang="en-US" sz="2000" dirty="0"/>
-              <a:t>. decide on meeting times to work on the project and meet with mentor)</a:t>
+              <a:t>Work with team members to overcome challenges (i.e. debugging).</a:t>
             </a:r>
           </a:p>
           <a:p>
             <a:r>
               <a:rPr lang="en-US" sz="2000" dirty="0"/>
-              <a:t>Work with team members to overcome challenges (</a:t>
-            </a:r>
-            <a:r>
-              <a:rPr lang="en-US" sz="2000" dirty="0" err="1"/>
-              <a:t>ie</a:t>
-            </a:r>
-            <a:r>
-              <a:rPr lang="en-US" sz="2000" dirty="0"/>
-              <a:t>. debugging)</a:t>
-            </a:r>
-          </a:p>
-          <a:p>
-            <a:r>
-              <a:rPr lang="en-US" sz="2000" dirty="0"/>
-              <a:t>Collaborate with team members effectively</a:t>
+              <a:t>Collaborate with team members effectively.</a:t>
             </a:r>
           </a:p>
         </p:txBody>
@@ -13710,7 +13678,7 @@
             </a:pPr>
             <a:r>
               <a:rPr lang="en-US" sz="2000" dirty="0"/>
-              <a:t>Students will be meet their teams and begin planning their project </a:t>
+              <a:t>Students will meet their teams and begin planning their project. </a:t>
             </a:r>
           </a:p>
           <a:p>
@@ -13730,7 +13698,7 @@
             </a:pPr>
             <a:r>
               <a:rPr lang="en-US" sz="2000" dirty="0"/>
-              <a:t>Students will attend guided workshops covering key tools used in data science projects </a:t>
+              <a:t>Students will attend guided workshops covering key tools used in data science projects. </a:t>
             </a:r>
           </a:p>
           <a:p>
@@ -13754,7 +13722,7 @@
             </a:r>
             <a:r>
               <a:rPr lang="en-US" sz="2000" dirty="0"/>
-              <a:t> will provide mini help sessions following the end each workshop </a:t>
+              <a:t> will provide mini help sessions following the end each workshop. </a:t>
             </a:r>
           </a:p>
           <a:p>
@@ -13774,7 +13742,7 @@
             </a:pPr>
             <a:r>
               <a:rPr lang="en-US" sz="2000" dirty="0"/>
-              <a:t>Groups will have the opportunity to present their projects and win prizes</a:t>
+              <a:t>Groups will have the opportunity to present their projects and win prizes.</a:t>
             </a:r>
           </a:p>
         </p:txBody>
@@ -13825,7 +13793,7 @@
             <p:ph sz="half" idx="2"/>
             <p:extLst>
               <p:ext uri="{D42A27DB-BD31-4B8C-83A1-F6EECF244321}">
-                <p14:modId xmlns:p14="http://schemas.microsoft.com/office/powerpoint/2010/main" val="1990883989"/>
+                <p14:modId xmlns:p14="http://schemas.microsoft.com/office/powerpoint/2010/main" val="2036360209"/>
               </p:ext>
             </p:extLst>
           </p:nvPr>
@@ -13913,6 +13881,9 @@
                           <a:solidFill>
                             <a:schemeClr val="tx1"/>
                           </a:solidFill>
+                          <a:highlight>
+                            <a:srgbClr val="FFFF00"/>
+                          </a:highlight>
                           <a:latin typeface="+mn-lt"/>
                         </a:rPr>
                         <a:t>Week 1 (1/6-1/12)</a:t>
@@ -13932,6 +13903,9 @@
                           <a:solidFill>
                             <a:schemeClr val="tx1"/>
                           </a:solidFill>
+                          <a:highlight>
+                            <a:srgbClr val="FFFF00"/>
+                          </a:highlight>
                         </a:rPr>
                         <a:t>Regular Event: Info Session for Mentees</a:t>
                       </a:r>
@@ -13939,6 +13913,9 @@
                         <a:solidFill>
                           <a:schemeClr val="tx1"/>
                         </a:solidFill>
+                        <a:highlight>
+                          <a:srgbClr val="FFFF00"/>
+                        </a:highlight>
                         <a:latin typeface="+mn-lt"/>
                       </a:endParaRPr>
                     </a:p>
@@ -13963,6 +13940,9 @@
                           <a:solidFill>
                             <a:schemeClr val="tx1"/>
                           </a:solidFill>
+                          <a:highlight>
+                            <a:srgbClr val="FFFF00"/>
+                          </a:highlight>
                           <a:latin typeface="+mn-lt"/>
                         </a:rPr>
                         <a:t>Week 2 (</a:t>
@@ -13972,6 +13952,9 @@
                           <a:solidFill>
                             <a:schemeClr val="tx1"/>
                           </a:solidFill>
+                          <a:highlight>
+                            <a:srgbClr val="FFFF00"/>
+                          </a:highlight>
                         </a:rPr>
                         <a:t>1/13 - 1/19)</a:t>
                       </a:r>
@@ -13979,6 +13962,9 @@
                         <a:solidFill>
                           <a:schemeClr val="tx1"/>
                         </a:solidFill>
+                        <a:highlight>
+                          <a:srgbClr val="FFFF00"/>
+                        </a:highlight>
                         <a:latin typeface="+mn-lt"/>
                       </a:endParaRPr>
                     </a:p>
@@ -13996,6 +13982,9 @@
                           <a:solidFill>
                             <a:schemeClr val="tx1"/>
                           </a:solidFill>
+                          <a:highlight>
+                            <a:srgbClr val="FFFF00"/>
+                          </a:highlight>
                         </a:rPr>
                         <a:t>Regular Event : Project Kick-Off </a:t>
                       </a:r>
@@ -14003,6 +13992,9 @@
                         <a:solidFill>
                           <a:schemeClr val="tx1"/>
                         </a:solidFill>
+                        <a:highlight>
+                          <a:srgbClr val="FFFF00"/>
+                        </a:highlight>
                         <a:latin typeface="+mn-lt"/>
                       </a:endParaRPr>
                     </a:p>
@@ -14528,7 +14520,7 @@
           <p:nvPr>
             <p:extLst>
               <p:ext uri="{D42A27DB-BD31-4B8C-83A1-F6EECF244321}">
-                <p14:modId xmlns:p14="http://schemas.microsoft.com/office/powerpoint/2010/main" val="1022507451"/>
+                <p14:modId xmlns:p14="http://schemas.microsoft.com/office/powerpoint/2010/main" val="1897103565"/>
               </p:ext>
             </p:extLst>
           </p:nvPr>
@@ -14616,6 +14608,9 @@
                           <a:solidFill>
                             <a:schemeClr val="tx1"/>
                           </a:solidFill>
+                          <a:highlight>
+                            <a:srgbClr val="FFFF00"/>
+                          </a:highlight>
                           <a:latin typeface="+mn-lt"/>
                         </a:rPr>
                         <a:t>Week 1 (1/6-1/12)</a:t>
@@ -14635,6 +14630,9 @@
                           <a:solidFill>
                             <a:schemeClr val="tx1"/>
                           </a:solidFill>
+                          <a:highlight>
+                            <a:srgbClr val="FFFF00"/>
+                          </a:highlight>
                           <a:latin typeface="+mn-lt"/>
                         </a:rPr>
                         <a:t>Commitment</a:t>
@@ -14643,6 +14641,9 @@
                         <a:solidFill>
                           <a:schemeClr val="tx1"/>
                         </a:solidFill>
+                        <a:highlight>
+                          <a:srgbClr val="FFFF00"/>
+                        </a:highlight>
                         <a:latin typeface="+mn-lt"/>
                       </a:endParaRPr>
                     </a:p>
@@ -14667,6 +14668,9 @@
                           <a:solidFill>
                             <a:schemeClr val="tx1"/>
                           </a:solidFill>
+                          <a:highlight>
+                            <a:srgbClr val="FFFF00"/>
+                          </a:highlight>
                           <a:latin typeface="+mn-lt"/>
                         </a:rPr>
                         <a:t>Week 2 (</a:t>
@@ -14676,6 +14680,9 @@
                           <a:solidFill>
                             <a:schemeClr val="tx1"/>
                           </a:solidFill>
+                          <a:highlight>
+                            <a:srgbClr val="FFFF00"/>
+                          </a:highlight>
                         </a:rPr>
                         <a:t>1/13 - 1/19)</a:t>
                       </a:r>
@@ -14683,6 +14690,9 @@
                         <a:solidFill>
                           <a:schemeClr val="tx1"/>
                         </a:solidFill>
+                        <a:highlight>
+                          <a:srgbClr val="FFFF00"/>
+                        </a:highlight>
                         <a:latin typeface="+mn-lt"/>
                       </a:endParaRPr>
                     </a:p>
@@ -14700,6 +14710,9 @@
                           <a:solidFill>
                             <a:schemeClr val="tx1"/>
                           </a:solidFill>
+                          <a:highlight>
+                            <a:srgbClr val="FFFF00"/>
+                          </a:highlight>
                           <a:latin typeface="+mn-lt"/>
                         </a:rPr>
                         <a:t>Meeting Series</a:t>
@@ -16449,27 +16462,30 @@
               <a:buChar char="•"/>
             </a:pPr>
             <a:r>
+              <a:rPr lang="en-US" sz="2000" dirty="0" err="1"/>
+              <a:t>Harita</a:t>
+            </a:r>
+            <a:r>
               <a:rPr lang="en-US" sz="2000" dirty="0"/>
-              <a:t>Christian Vu Phan (</a:t>
+              <a:t> </a:t>
+            </a:r>
+            <a:r>
+              <a:rPr lang="en-US" sz="2000" dirty="0" err="1"/>
+              <a:t>Kalvai</a:t>
+            </a:r>
+            <a:r>
+              <a:rPr lang="en-US" sz="2000" dirty="0"/>
+              <a:t> (</a:t>
             </a:r>
             <a:r>
               <a:rPr lang="en-US" sz="2000" dirty="0">
-                <a:solidFill>
-                  <a:schemeClr val="accent4"/>
-                </a:solidFill>
-                <a:hlinkClick r:id="rId6">
-                  <a:extLst>
-                    <a:ext uri="{A12FA001-AC4F-418D-AE19-62706E023703}">
-                      <ahyp:hlinkClr xmlns:ahyp="http://schemas.microsoft.com/office/drawing/2018/hyperlinkcolor" val="tx"/>
-                    </a:ext>
-                  </a:extLst>
-                </a:hlinkClick>
+                <a:hlinkClick r:id="rId6"/>
               </a:rPr>
-              <a:t>cvphan@uci.edu</a:t>
+              <a:t>hkalvai@uci.edu</a:t>
             </a:r>
             <a:r>
               <a:rPr lang="en-US" sz="2000" dirty="0"/>
-              <a:t>) </a:t>
+              <a:t>)</a:t>
             </a:r>
           </a:p>
           <a:p>
@@ -16479,31 +16495,18 @@
             </a:pPr>
             <a:r>
               <a:rPr lang="en-US" sz="2000" dirty="0"/>
-              <a:t>Ryan Dylan Chin (</a:t>
-            </a:r>
-            <a:r>
-              <a:rPr lang="en-US" sz="2000" dirty="0" err="1">
+              <a:t>Evan Ronald Garcia Lopez (</a:t>
+            </a:r>
+            <a:r>
+              <a:rPr lang="en-US" sz="2000" dirty="0">
                 <a:hlinkClick r:id="rId7"/>
               </a:rPr>
-              <a:t>rdchin@</a:t>
-            </a:r>
-            <a:r>
-              <a:rPr lang="en-US" sz="2000" err="1">
-                <a:hlinkClick r:id="rId7"/>
-              </a:rPr>
-              <a:t>uci</a:t>
-            </a:r>
-            <a:r>
-              <a:rPr lang="en-US" sz="2000">
-                <a:hlinkClick r:id="rId7"/>
-              </a:rPr>
-              <a:t>.edu</a:t>
-            </a:r>
-            <a:r>
-              <a:rPr lang="en-US" sz="2000"/>
+              <a:t>evanrg2@uci.edu</a:t>
+            </a:r>
+            <a:r>
+              <a:rPr lang="en-US" sz="2000" dirty="0"/>
               <a:t>) </a:t>
             </a:r>
-            <a:endParaRPr lang="en-US" sz="2000" dirty="0"/>
           </a:p>
         </p:txBody>
       </p:sp>
@@ -18420,18 +18423,18 @@
 <file path=customXml/itemProps2.xml><?xml version="1.0" encoding="utf-8"?>
 <ds:datastoreItem xmlns:ds="http://schemas.openxmlformats.org/officeDocument/2006/customXml" ds:itemID="{826A71AF-4CF2-4B95-BFB6-5C27500258C6}">
   <ds:schemaRefs>
+    <ds:schemaRef ds:uri="http://purl.org/dc/elements/1.1/"/>
+    <ds:schemaRef ds:uri="http://schemas.microsoft.com/office/2006/documentManagement/types"/>
+    <ds:schemaRef ds:uri="16c05727-aa75-4e4a-9b5f-8a80a1165891"/>
+    <ds:schemaRef ds:uri="http://purl.org/dc/terms/"/>
+    <ds:schemaRef ds:uri="230e9df3-be65-4c73-a93b-d1236ebd677e"/>
     <ds:schemaRef ds:uri="http://schemas.openxmlformats.org/package/2006/metadata/core-properties"/>
     <ds:schemaRef ds:uri="http://schemas.microsoft.com/office/infopath/2007/PartnerControls"/>
+    <ds:schemaRef ds:uri="http://purl.org/dc/dcmitype/"/>
+    <ds:schemaRef ds:uri="71af3243-3dd4-4a8d-8c0d-dd76da1f02a5"/>
+    <ds:schemaRef ds:uri="http://schemas.microsoft.com/sharepoint/v3"/>
     <ds:schemaRef ds:uri="http://schemas.microsoft.com/office/2006/metadata/properties"/>
     <ds:schemaRef ds:uri="http://www.w3.org/XML/1998/namespace"/>
-    <ds:schemaRef ds:uri="http://purl.org/dc/elements/1.1/"/>
-    <ds:schemaRef ds:uri="http://schemas.microsoft.com/office/2006/documentManagement/types"/>
-    <ds:schemaRef ds:uri="230e9df3-be65-4c73-a93b-d1236ebd677e"/>
-    <ds:schemaRef ds:uri="71af3243-3dd4-4a8d-8c0d-dd76da1f02a5"/>
-    <ds:schemaRef ds:uri="16c05727-aa75-4e4a-9b5f-8a80a1165891"/>
-    <ds:schemaRef ds:uri="http://schemas.microsoft.com/sharepoint/v3"/>
-    <ds:schemaRef ds:uri="http://purl.org/dc/dcmitype/"/>
-    <ds:schemaRef ds:uri="http://purl.org/dc/terms/"/>
   </ds:schemaRefs>
 </ds:datastoreItem>
 </file>
